--- a/Figures/Simiam/combine/combine_images.pptx
+++ b/Figures/Simiam/combine/combine_images.pptx
@@ -12189,6 +12189,37 @@
           <a:chExt cx="0" cy="0"/>
         </a:xfrm>
       </p:grpSpPr>
+      <p:pic>
+        <p:nvPicPr>
+          <p:cNvPr id="21" name="Picture 20">
+            <a:extLst>
+              <a:ext uri="{FF2B5EF4-FFF2-40B4-BE49-F238E27FC236}">
+                <a16:creationId xmlns:a16="http://schemas.microsoft.com/office/drawing/2014/main" id="{C41477D0-ADBA-A357-074E-3BD062410C32}"/>
+              </a:ext>
+            </a:extLst>
+          </p:cNvPr>
+          <p:cNvPicPr>
+            <a:picLocks noChangeAspect="1"/>
+          </p:cNvPicPr>
+          <p:nvPr/>
+        </p:nvPicPr>
+        <p:blipFill>
+          <a:blip r:embed="rId2"/>
+          <a:srcRect l="3994" r="6443" b="12245"/>
+          <a:stretch>
+            <a:fillRect/>
+          </a:stretch>
+        </p:blipFill>
+        <p:spPr>
+          <a:xfrm>
+            <a:off x="4716380" y="1328541"/>
+            <a:ext cx="2396689" cy="2348312"/>
+          </a:xfrm>
+          <a:prstGeom prst="rect">
+            <a:avLst/>
+          </a:prstGeom>
+        </p:spPr>
+      </p:pic>
       <p:sp>
         <p:nvSpPr>
           <p:cNvPr id="2" name="Slide Number Placeholder 1">
@@ -12864,7 +12895,8 @@
           <p:nvPr/>
         </p:nvPicPr>
         <p:blipFill>
-          <a:blip r:embed="rId2"/>
+          <a:blip r:embed="rId3"/>
+          <a:srcRect r="7548"/>
           <a:stretch>
             <a:fillRect/>
           </a:stretch>
@@ -12872,7 +12904,7 @@
         <p:spPr>
           <a:xfrm>
             <a:off x="2235440" y="1318288"/>
-            <a:ext cx="2683482" cy="2683482"/>
+            <a:ext cx="2480939" cy="2683482"/>
           </a:xfrm>
           <a:prstGeom prst="rect">
             <a:avLst/>
@@ -12885,36 +12917,6 @@
             <a:extLst>
               <a:ext uri="{FF2B5EF4-FFF2-40B4-BE49-F238E27FC236}">
                 <a16:creationId xmlns:a16="http://schemas.microsoft.com/office/drawing/2014/main" id="{B6C5F0DF-26E8-29E8-6310-814D35E2AF18}"/>
-              </a:ext>
-            </a:extLst>
-          </p:cNvPr>
-          <p:cNvPicPr>
-            <a:picLocks noChangeAspect="1"/>
-          </p:cNvPicPr>
-          <p:nvPr/>
-        </p:nvPicPr>
-        <p:blipFill>
-          <a:blip r:embed="rId3"/>
-          <a:stretch>
-            <a:fillRect/>
-          </a:stretch>
-        </p:blipFill>
-        <p:spPr>
-          <a:xfrm>
-            <a:off x="2243043" y="3676122"/>
-            <a:ext cx="2683482" cy="2683482"/>
-          </a:xfrm>
-          <a:prstGeom prst="rect">
-            <a:avLst/>
-          </a:prstGeom>
-        </p:spPr>
-      </p:pic>
-      <p:pic>
-        <p:nvPicPr>
-          <p:cNvPr id="62" name="Picture 61">
-            <a:extLst>
-              <a:ext uri="{FF2B5EF4-FFF2-40B4-BE49-F238E27FC236}">
-                <a16:creationId xmlns:a16="http://schemas.microsoft.com/office/drawing/2014/main" id="{6BD3D05D-B96D-C59A-9689-ADA7F91B85B6}"/>
               </a:ext>
             </a:extLst>
           </p:cNvPr>
@@ -12931,7 +12933,7 @@
         </p:blipFill>
         <p:spPr>
           <a:xfrm>
-            <a:off x="4699045" y="3673721"/>
+            <a:off x="2243043" y="3676122"/>
             <a:ext cx="2683482" cy="2683482"/>
           </a:xfrm>
           <a:prstGeom prst="rect">
@@ -13132,7 +13134,7 @@
         </p:blipFill>
         <p:spPr>
           <a:xfrm>
-            <a:off x="7137934" y="3663213"/>
+            <a:off x="7060932" y="3682463"/>
             <a:ext cx="2670210" cy="2670210"/>
           </a:xfrm>
           <a:prstGeom prst="rect">
@@ -13154,7 +13156,7 @@
         </p:nvCxnSpPr>
         <p:spPr bwMode="auto">
           <a:xfrm>
-            <a:off x="12459765" y="4037660"/>
+            <a:off x="12305761" y="2516868"/>
             <a:ext cx="3657600" cy="0"/>
           </a:xfrm>
           <a:prstGeom prst="line">
@@ -13186,37 +13188,6 @@
           </a:extLst>
         </p:spPr>
       </p:cxnSp>
-      <p:pic>
-        <p:nvPicPr>
-          <p:cNvPr id="58" name="Picture 57">
-            <a:extLst>
-              <a:ext uri="{FF2B5EF4-FFF2-40B4-BE49-F238E27FC236}">
-                <a16:creationId xmlns:a16="http://schemas.microsoft.com/office/drawing/2014/main" id="{C1756A18-89B7-FEE9-54EB-2C7BAF46E960}"/>
-              </a:ext>
-            </a:extLst>
-          </p:cNvPr>
-          <p:cNvPicPr>
-            <a:picLocks noChangeAspect="1"/>
-          </p:cNvPicPr>
-          <p:nvPr/>
-        </p:nvPicPr>
-        <p:blipFill>
-          <a:blip r:embed="rId6"/>
-          <a:srcRect b="11994"/>
-          <a:stretch>
-            <a:fillRect/>
-          </a:stretch>
-        </p:blipFill>
-        <p:spPr>
-          <a:xfrm>
-            <a:off x="4697855" y="1324852"/>
-            <a:ext cx="2683482" cy="2361624"/>
-          </a:xfrm>
-          <a:prstGeom prst="rect">
-            <a:avLst/>
-          </a:prstGeom>
-        </p:spPr>
-      </p:pic>
       <p:sp>
         <p:nvSpPr>
           <p:cNvPr id="64" name="TextBox 63">
@@ -13231,7 +13202,7 @@
         </p:nvSpPr>
         <p:spPr>
           <a:xfrm>
-            <a:off x="4866785" y="1491914"/>
+            <a:off x="4866785" y="1511164"/>
             <a:ext cx="125034" cy="169277"/>
           </a:xfrm>
           <a:prstGeom prst="rect">
@@ -13362,7 +13333,7 @@
           <p:nvPr/>
         </p:nvPicPr>
         <p:blipFill>
-          <a:blip r:embed="rId7"/>
+          <a:blip r:embed="rId6"/>
           <a:srcRect b="11174"/>
           <a:stretch>
             <a:fillRect/>
@@ -13370,8 +13341,178 @@
         </p:blipFill>
         <p:spPr>
           <a:xfrm>
-            <a:off x="7147560" y="1324275"/>
+            <a:off x="7070558" y="1324275"/>
             <a:ext cx="2670210" cy="2371827"/>
+          </a:xfrm>
+          <a:prstGeom prst="rect">
+            <a:avLst/>
+          </a:prstGeom>
+        </p:spPr>
+      </p:pic>
+      <p:sp>
+        <p:nvSpPr>
+          <p:cNvPr id="67" name="TextBox 66">
+            <a:extLst>
+              <a:ext uri="{FF2B5EF4-FFF2-40B4-BE49-F238E27FC236}">
+                <a16:creationId xmlns:a16="http://schemas.microsoft.com/office/drawing/2014/main" id="{55A6A2A9-C6B5-774E-9719-EECEC2AFEB43}"/>
+              </a:ext>
+            </a:extLst>
+          </p:cNvPr>
+          <p:cNvSpPr txBox="1"/>
+          <p:nvPr/>
+        </p:nvSpPr>
+        <p:spPr>
+          <a:xfrm>
+            <a:off x="7258595" y="1496237"/>
+            <a:ext cx="117020" cy="169277"/>
+          </a:xfrm>
+          <a:prstGeom prst="rect">
+            <a:avLst/>
+          </a:prstGeom>
+          <a:noFill/>
+        </p:spPr>
+        <p:txBody>
+          <a:bodyPr wrap="none" lIns="0" tIns="0" rIns="0" bIns="0" rtlCol="0">
+            <a:spAutoFit/>
+          </a:bodyPr>
+          <a:lstStyle/>
+          <a:p>
+            <a:pPr marL="0" marR="0" lvl="0" indent="0" algn="l" defTabSz="914400" rtl="0" eaLnBrk="1" fontAlgn="auto" latinLnBrk="0" hangingPunct="1">
+              <a:lnSpc>
+                <a:spcPct val="100000"/>
+              </a:lnSpc>
+              <a:spcBef>
+                <a:spcPts val="432"/>
+              </a:spcBef>
+              <a:spcAft>
+                <a:spcPts val="0"/>
+              </a:spcAft>
+              <a:buClrTx/>
+              <a:buSzTx/>
+              <a:buFontTx/>
+              <a:buNone/>
+              <a:tabLst/>
+              <a:defRPr/>
+            </a:pPr>
+            <a:r>
+              <a:rPr kumimoji="0" lang="en-DK" sz="1100" b="0" i="0" u="none" strike="noStrike" kern="1200" cap="none" spc="0" normalizeH="0" baseline="0" noProof="0" dirty="0">
+                <a:ln>
+                  <a:noFill/>
+                </a:ln>
+                <a:solidFill>
+                  <a:srgbClr val="000000"/>
+                </a:solidFill>
+                <a:effectLst/>
+                <a:uLnTx/>
+                <a:uFillTx/>
+                <a:latin typeface="Arial"/>
+                <a:ea typeface="+mn-ea"/>
+                <a:cs typeface="+mn-cs"/>
+              </a:rPr>
+              <a:t>c)</a:t>
+            </a:r>
+          </a:p>
+        </p:txBody>
+      </p:sp>
+      <p:sp>
+        <p:nvSpPr>
+          <p:cNvPr id="16" name="TextBox 15">
+            <a:extLst>
+              <a:ext uri="{FF2B5EF4-FFF2-40B4-BE49-F238E27FC236}">
+                <a16:creationId xmlns:a16="http://schemas.microsoft.com/office/drawing/2014/main" id="{1CD52692-04F1-F42F-5F15-BDC130C417F0}"/>
+              </a:ext>
+            </a:extLst>
+          </p:cNvPr>
+          <p:cNvSpPr txBox="1"/>
+          <p:nvPr/>
+        </p:nvSpPr>
+        <p:spPr>
+          <a:xfrm>
+            <a:off x="7274149" y="3823952"/>
+            <a:ext cx="84960" cy="169277"/>
+          </a:xfrm>
+          <a:prstGeom prst="rect">
+            <a:avLst/>
+          </a:prstGeom>
+          <a:noFill/>
+        </p:spPr>
+        <p:txBody>
+          <a:bodyPr wrap="none" lIns="0" tIns="0" rIns="0" bIns="0" rtlCol="0">
+            <a:spAutoFit/>
+          </a:bodyPr>
+          <a:lstStyle/>
+          <a:p>
+            <a:pPr marL="0" marR="0" lvl="0" indent="0" algn="l" defTabSz="914400" rtl="0" eaLnBrk="1" fontAlgn="auto" latinLnBrk="0" hangingPunct="1">
+              <a:lnSpc>
+                <a:spcPct val="100000"/>
+              </a:lnSpc>
+              <a:spcBef>
+                <a:spcPts val="432"/>
+              </a:spcBef>
+              <a:spcAft>
+                <a:spcPts val="0"/>
+              </a:spcAft>
+              <a:buClrTx/>
+              <a:buSzTx/>
+              <a:buFontTx/>
+              <a:buNone/>
+              <a:tabLst/>
+              <a:defRPr/>
+            </a:pPr>
+            <a:r>
+              <a:rPr lang="en-DK" sz="1100" dirty="0">
+                <a:solidFill>
+                  <a:srgbClr val="000000"/>
+                </a:solidFill>
+                <a:latin typeface="Arial"/>
+              </a:rPr>
+              <a:t>f</a:t>
+            </a:r>
+            <a:r>
+              <a:rPr kumimoji="0" lang="en-DK" sz="1100" b="0" i="0" u="none" strike="noStrike" kern="1200" cap="none" spc="0" normalizeH="0" baseline="0" noProof="0" dirty="0">
+                <a:ln>
+                  <a:noFill/>
+                </a:ln>
+                <a:solidFill>
+                  <a:srgbClr val="000000"/>
+                </a:solidFill>
+                <a:effectLst/>
+                <a:uLnTx/>
+                <a:uFillTx/>
+                <a:latin typeface="Arial"/>
+                <a:ea typeface="+mn-ea"/>
+                <a:cs typeface="+mn-cs"/>
+              </a:rPr>
+              <a:t>)</a:t>
+            </a:r>
+          </a:p>
+        </p:txBody>
+      </p:sp>
+      <p:pic>
+        <p:nvPicPr>
+          <p:cNvPr id="23" name="Picture 22">
+            <a:extLst>
+              <a:ext uri="{FF2B5EF4-FFF2-40B4-BE49-F238E27FC236}">
+                <a16:creationId xmlns:a16="http://schemas.microsoft.com/office/drawing/2014/main" id="{BA2DE84C-BC15-CAFB-712B-FCB68FAADFE9}"/>
+              </a:ext>
+            </a:extLst>
+          </p:cNvPr>
+          <p:cNvPicPr>
+            <a:picLocks noChangeAspect="1"/>
+          </p:cNvPicPr>
+          <p:nvPr/>
+        </p:nvPicPr>
+        <p:blipFill>
+          <a:blip r:embed="rId7"/>
+          <a:srcRect l="8687" t="6734" r="6647" b="10350"/>
+          <a:stretch>
+            <a:fillRect/>
+          </a:stretch>
+        </p:blipFill>
+        <p:spPr>
+          <a:xfrm>
+            <a:off x="4831883" y="3850105"/>
+            <a:ext cx="2290001" cy="2242686"/>
           </a:xfrm>
           <a:prstGeom prst="rect">
             <a:avLst/>
@@ -13392,7 +13533,7 @@
         </p:nvCxnSpPr>
         <p:spPr bwMode="auto">
           <a:xfrm>
-            <a:off x="1780675" y="6441365"/>
+            <a:off x="1713299" y="964590"/>
             <a:ext cx="8547234" cy="0"/>
           </a:xfrm>
           <a:prstGeom prst="line">
@@ -13438,7 +13579,7 @@
         </p:nvCxnSpPr>
         <p:spPr bwMode="auto">
           <a:xfrm>
-            <a:off x="144796" y="1309037"/>
+            <a:off x="1001444" y="1145407"/>
             <a:ext cx="0" cy="4825604"/>
           </a:xfrm>
           <a:prstGeom prst="line">
@@ -13472,10 +13613,10 @@
       </p:cxnSp>
       <p:sp>
         <p:nvSpPr>
-          <p:cNvPr id="67" name="TextBox 66">
-            <a:extLst>
-              <a:ext uri="{FF2B5EF4-FFF2-40B4-BE49-F238E27FC236}">
-                <a16:creationId xmlns:a16="http://schemas.microsoft.com/office/drawing/2014/main" id="{55A6A2A9-C6B5-774E-9719-EECEC2AFEB43}"/>
+          <p:cNvPr id="15" name="TextBox 14">
+            <a:extLst>
+              <a:ext uri="{FF2B5EF4-FFF2-40B4-BE49-F238E27FC236}">
+                <a16:creationId xmlns:a16="http://schemas.microsoft.com/office/drawing/2014/main" id="{F253ADAB-595E-766B-EF17-C72E334DF34F}"/>
               </a:ext>
             </a:extLst>
           </p:cNvPr>
@@ -13484,8 +13625,8 @@
         </p:nvSpPr>
         <p:spPr>
           <a:xfrm>
-            <a:off x="7335597" y="1496237"/>
-            <a:ext cx="117020" cy="169277"/>
+            <a:off x="4877459" y="3833577"/>
+            <a:ext cx="125034" cy="169277"/>
           </a:xfrm>
           <a:prstGeom prst="rect">
             <a:avLst/>
@@ -13516,71 +13657,6 @@
               <a:defRPr/>
             </a:pPr>
             <a:r>
-              <a:rPr kumimoji="0" lang="en-DK" sz="1100" b="0" i="0" u="none" strike="noStrike" kern="1200" cap="none" spc="0" normalizeH="0" baseline="0" noProof="0" dirty="0">
-                <a:ln>
-                  <a:noFill/>
-                </a:ln>
-                <a:solidFill>
-                  <a:srgbClr val="000000"/>
-                </a:solidFill>
-                <a:effectLst/>
-                <a:uLnTx/>
-                <a:uFillTx/>
-                <a:latin typeface="Arial"/>
-                <a:ea typeface="+mn-ea"/>
-                <a:cs typeface="+mn-cs"/>
-              </a:rPr>
-              <a:t>c)</a:t>
-            </a:r>
-          </a:p>
-        </p:txBody>
-      </p:sp>
-      <p:sp>
-        <p:nvSpPr>
-          <p:cNvPr id="15" name="TextBox 14">
-            <a:extLst>
-              <a:ext uri="{FF2B5EF4-FFF2-40B4-BE49-F238E27FC236}">
-                <a16:creationId xmlns:a16="http://schemas.microsoft.com/office/drawing/2014/main" id="{F253ADAB-595E-766B-EF17-C72E334DF34F}"/>
-              </a:ext>
-            </a:extLst>
-          </p:cNvPr>
-          <p:cNvSpPr txBox="1"/>
-          <p:nvPr/>
-        </p:nvSpPr>
-        <p:spPr>
-          <a:xfrm>
-            <a:off x="4877459" y="3833577"/>
-            <a:ext cx="125034" cy="169277"/>
-          </a:xfrm>
-          <a:prstGeom prst="rect">
-            <a:avLst/>
-          </a:prstGeom>
-          <a:noFill/>
-        </p:spPr>
-        <p:txBody>
-          <a:bodyPr wrap="none" lIns="0" tIns="0" rIns="0" bIns="0" rtlCol="0">
-            <a:spAutoFit/>
-          </a:bodyPr>
-          <a:lstStyle/>
-          <a:p>
-            <a:pPr marL="0" marR="0" lvl="0" indent="0" algn="l" defTabSz="914400" rtl="0" eaLnBrk="1" fontAlgn="auto" latinLnBrk="0" hangingPunct="1">
-              <a:lnSpc>
-                <a:spcPct val="100000"/>
-              </a:lnSpc>
-              <a:spcBef>
-                <a:spcPts val="432"/>
-              </a:spcBef>
-              <a:spcAft>
-                <a:spcPts val="0"/>
-              </a:spcAft>
-              <a:buClrTx/>
-              <a:buSzTx/>
-              <a:buFontTx/>
-              <a:buNone/>
-              <a:tabLst/>
-              <a:defRPr/>
-            </a:pPr>
-            <a:r>
               <a:rPr lang="en-DK" sz="1100" dirty="0">
                 <a:solidFill>
                   <a:srgbClr val="000000"/>
@@ -13588,80 +13664,6 @@
                 <a:latin typeface="Arial"/>
               </a:rPr>
               <a:t>e</a:t>
-            </a:r>
-            <a:r>
-              <a:rPr kumimoji="0" lang="en-DK" sz="1100" b="0" i="0" u="none" strike="noStrike" kern="1200" cap="none" spc="0" normalizeH="0" baseline="0" noProof="0" dirty="0">
-                <a:ln>
-                  <a:noFill/>
-                </a:ln>
-                <a:solidFill>
-                  <a:srgbClr val="000000"/>
-                </a:solidFill>
-                <a:effectLst/>
-                <a:uLnTx/>
-                <a:uFillTx/>
-                <a:latin typeface="Arial"/>
-                <a:ea typeface="+mn-ea"/>
-                <a:cs typeface="+mn-cs"/>
-              </a:rPr>
-              <a:t>)</a:t>
-            </a:r>
-          </a:p>
-        </p:txBody>
-      </p:sp>
-      <p:sp>
-        <p:nvSpPr>
-          <p:cNvPr id="16" name="TextBox 15">
-            <a:extLst>
-              <a:ext uri="{FF2B5EF4-FFF2-40B4-BE49-F238E27FC236}">
-                <a16:creationId xmlns:a16="http://schemas.microsoft.com/office/drawing/2014/main" id="{1CD52692-04F1-F42F-5F15-BDC130C417F0}"/>
-              </a:ext>
-            </a:extLst>
-          </p:cNvPr>
-          <p:cNvSpPr txBox="1"/>
-          <p:nvPr/>
-        </p:nvSpPr>
-        <p:spPr>
-          <a:xfrm>
-            <a:off x="7351151" y="3823952"/>
-            <a:ext cx="84960" cy="169277"/>
-          </a:xfrm>
-          <a:prstGeom prst="rect">
-            <a:avLst/>
-          </a:prstGeom>
-          <a:noFill/>
-        </p:spPr>
-        <p:txBody>
-          <a:bodyPr wrap="none" lIns="0" tIns="0" rIns="0" bIns="0" rtlCol="0">
-            <a:spAutoFit/>
-          </a:bodyPr>
-          <a:lstStyle/>
-          <a:p>
-            <a:pPr marL="0" marR="0" lvl="0" indent="0" algn="l" defTabSz="914400" rtl="0" eaLnBrk="1" fontAlgn="auto" latinLnBrk="0" hangingPunct="1">
-              <a:lnSpc>
-                <a:spcPct val="100000"/>
-              </a:lnSpc>
-              <a:spcBef>
-                <a:spcPts val="432"/>
-              </a:spcBef>
-              <a:spcAft>
-                <a:spcPts val="0"/>
-              </a:spcAft>
-              <a:buClrTx/>
-              <a:buSzTx/>
-              <a:buFontTx/>
-              <a:buNone/>
-              <a:tabLst/>
-              <a:defRPr/>
-            </a:pPr>
-            <a:r>
-              <a:rPr lang="en-DK" sz="1100" dirty="0">
-                <a:solidFill>
-                  <a:srgbClr val="000000"/>
-                </a:solidFill>
-                <a:latin typeface="Arial"/>
-              </a:rPr>
-              <a:t>f</a:t>
             </a:r>
             <a:r>
               <a:rPr kumimoji="0" lang="en-DK" sz="1100" b="0" i="0" u="none" strike="noStrike" kern="1200" cap="none" spc="0" normalizeH="0" baseline="0" noProof="0" dirty="0">

--- a/Figures/Simiam/combine/combine_images.pptx
+++ b/Figures/Simiam/combine/combine_images.pptx
@@ -11649,7 +11649,7 @@
         </p:nvCxnSpPr>
         <p:spPr bwMode="auto">
           <a:xfrm>
-            <a:off x="3244131" y="4128820"/>
+            <a:off x="510557" y="3050791"/>
             <a:ext cx="0" cy="3045349"/>
           </a:xfrm>
           <a:prstGeom prst="line">
@@ -12212,7 +12212,7 @@
         </p:blipFill>
         <p:spPr>
           <a:xfrm>
-            <a:off x="4716380" y="1328541"/>
+            <a:off x="3599847" y="1328541"/>
             <a:ext cx="2396689" cy="2348312"/>
           </a:xfrm>
           <a:prstGeom prst="rect">
@@ -12903,7 +12903,7 @@
         </p:blipFill>
         <p:spPr>
           <a:xfrm>
-            <a:off x="2235440" y="1318288"/>
+            <a:off x="1118907" y="1318288"/>
             <a:ext cx="2480939" cy="2683482"/>
           </a:xfrm>
           <a:prstGeom prst="rect">
@@ -12933,7 +12933,7 @@
         </p:blipFill>
         <p:spPr>
           <a:xfrm>
-            <a:off x="2243043" y="3676122"/>
+            <a:off x="1126510" y="3676122"/>
             <a:ext cx="2683482" cy="2683482"/>
           </a:xfrm>
           <a:prstGeom prst="rect">
@@ -12955,7 +12955,7 @@
         </p:nvSpPr>
         <p:spPr>
           <a:xfrm>
-            <a:off x="2424415" y="1490588"/>
+            <a:off x="1307882" y="1490588"/>
             <a:ext cx="125034" cy="169277"/>
           </a:xfrm>
           <a:prstGeom prst="rect">
@@ -13128,14 +13128,473 @@
         </p:nvPicPr>
         <p:blipFill>
           <a:blip r:embed="rId5"/>
+          <a:srcRect r="8291"/>
           <a:stretch>
             <a:fillRect/>
           </a:stretch>
         </p:blipFill>
         <p:spPr>
           <a:xfrm>
-            <a:off x="7060932" y="3682463"/>
-            <a:ext cx="2670210" cy="2670210"/>
+            <a:off x="5944399" y="3682463"/>
+            <a:ext cx="2448828" cy="2670210"/>
+          </a:xfrm>
+          <a:prstGeom prst="rect">
+            <a:avLst/>
+          </a:prstGeom>
+        </p:spPr>
+      </p:pic>
+      <p:sp>
+        <p:nvSpPr>
+          <p:cNvPr id="64" name="TextBox 63">
+            <a:extLst>
+              <a:ext uri="{FF2B5EF4-FFF2-40B4-BE49-F238E27FC236}">
+                <a16:creationId xmlns:a16="http://schemas.microsoft.com/office/drawing/2014/main" id="{992ED030-3538-4E5E-B5BE-60584E3415D6}"/>
+              </a:ext>
+            </a:extLst>
+          </p:cNvPr>
+          <p:cNvSpPr txBox="1"/>
+          <p:nvPr/>
+        </p:nvSpPr>
+        <p:spPr>
+          <a:xfrm>
+            <a:off x="3750252" y="1511164"/>
+            <a:ext cx="125034" cy="169277"/>
+          </a:xfrm>
+          <a:prstGeom prst="rect">
+            <a:avLst/>
+          </a:prstGeom>
+          <a:noFill/>
+        </p:spPr>
+        <p:txBody>
+          <a:bodyPr wrap="none" lIns="0" tIns="0" rIns="0" bIns="0" rtlCol="0">
+            <a:spAutoFit/>
+          </a:bodyPr>
+          <a:lstStyle/>
+          <a:p>
+            <a:pPr marL="0" marR="0" lvl="0" indent="0" algn="l" defTabSz="914400" rtl="0" eaLnBrk="1" fontAlgn="auto" latinLnBrk="0" hangingPunct="1">
+              <a:lnSpc>
+                <a:spcPct val="100000"/>
+              </a:lnSpc>
+              <a:spcBef>
+                <a:spcPts val="432"/>
+              </a:spcBef>
+              <a:spcAft>
+                <a:spcPts val="0"/>
+              </a:spcAft>
+              <a:buClrTx/>
+              <a:buSzTx/>
+              <a:buFontTx/>
+              <a:buNone/>
+              <a:tabLst/>
+              <a:defRPr/>
+            </a:pPr>
+            <a:r>
+              <a:rPr kumimoji="0" lang="en-DK" sz="1100" b="0" i="0" u="none" strike="noStrike" kern="1200" cap="none" spc="0" normalizeH="0" baseline="0" noProof="0" dirty="0">
+                <a:ln>
+                  <a:noFill/>
+                </a:ln>
+                <a:solidFill>
+                  <a:srgbClr val="000000"/>
+                </a:solidFill>
+                <a:effectLst/>
+                <a:uLnTx/>
+                <a:uFillTx/>
+                <a:latin typeface="Arial"/>
+                <a:ea typeface="+mn-ea"/>
+                <a:cs typeface="+mn-cs"/>
+              </a:rPr>
+              <a:t>b)</a:t>
+            </a:r>
+          </a:p>
+        </p:txBody>
+      </p:sp>
+      <p:sp>
+        <p:nvSpPr>
+          <p:cNvPr id="68" name="TextBox 67">
+            <a:extLst>
+              <a:ext uri="{FF2B5EF4-FFF2-40B4-BE49-F238E27FC236}">
+                <a16:creationId xmlns:a16="http://schemas.microsoft.com/office/drawing/2014/main" id="{C6656B4E-D452-4E1C-91FE-245F0C8B23C1}"/>
+              </a:ext>
+            </a:extLst>
+          </p:cNvPr>
+          <p:cNvSpPr txBox="1"/>
+          <p:nvPr/>
+        </p:nvSpPr>
+        <p:spPr>
+          <a:xfrm>
+            <a:off x="1288837" y="3835181"/>
+            <a:ext cx="125034" cy="169277"/>
+          </a:xfrm>
+          <a:prstGeom prst="rect">
+            <a:avLst/>
+          </a:prstGeom>
+          <a:noFill/>
+        </p:spPr>
+        <p:txBody>
+          <a:bodyPr wrap="none" lIns="0" tIns="0" rIns="0" bIns="0" rtlCol="0">
+            <a:spAutoFit/>
+          </a:bodyPr>
+          <a:lstStyle/>
+          <a:p>
+            <a:pPr marL="0" marR="0" lvl="0" indent="0" algn="l" defTabSz="914400" rtl="0" eaLnBrk="1" fontAlgn="auto" latinLnBrk="0" hangingPunct="1">
+              <a:lnSpc>
+                <a:spcPct val="100000"/>
+              </a:lnSpc>
+              <a:spcBef>
+                <a:spcPts val="432"/>
+              </a:spcBef>
+              <a:spcAft>
+                <a:spcPts val="0"/>
+              </a:spcAft>
+              <a:buClrTx/>
+              <a:buSzTx/>
+              <a:buFontTx/>
+              <a:buNone/>
+              <a:tabLst/>
+              <a:defRPr/>
+            </a:pPr>
+            <a:r>
+              <a:rPr lang="en-DK" sz="1100" dirty="0">
+                <a:solidFill>
+                  <a:srgbClr val="000000"/>
+                </a:solidFill>
+                <a:latin typeface="Arial"/>
+              </a:rPr>
+              <a:t>e</a:t>
+            </a:r>
+            <a:r>
+              <a:rPr kumimoji="0" lang="en-DK" sz="1100" b="0" i="0" u="none" strike="noStrike" kern="1200" cap="none" spc="0" normalizeH="0" baseline="0" noProof="0" dirty="0">
+                <a:ln>
+                  <a:noFill/>
+                </a:ln>
+                <a:solidFill>
+                  <a:srgbClr val="000000"/>
+                </a:solidFill>
+                <a:effectLst/>
+                <a:uLnTx/>
+                <a:uFillTx/>
+                <a:latin typeface="Arial"/>
+                <a:ea typeface="+mn-ea"/>
+                <a:cs typeface="+mn-cs"/>
+              </a:rPr>
+              <a:t>)</a:t>
+            </a:r>
+          </a:p>
+        </p:txBody>
+      </p:sp>
+      <p:pic>
+        <p:nvPicPr>
+          <p:cNvPr id="14" name="Picture 13">
+            <a:extLst>
+              <a:ext uri="{FF2B5EF4-FFF2-40B4-BE49-F238E27FC236}">
+                <a16:creationId xmlns:a16="http://schemas.microsoft.com/office/drawing/2014/main" id="{EE220B0C-0A14-263B-42DC-473EFE6C1FBC}"/>
+              </a:ext>
+            </a:extLst>
+          </p:cNvPr>
+          <p:cNvPicPr>
+            <a:picLocks noChangeAspect="1"/>
+          </p:cNvPicPr>
+          <p:nvPr/>
+        </p:nvPicPr>
+        <p:blipFill>
+          <a:blip r:embed="rId6"/>
+          <a:srcRect r="8651" b="11174"/>
+          <a:stretch>
+            <a:fillRect/>
+          </a:stretch>
+        </p:blipFill>
+        <p:spPr>
+          <a:xfrm>
+            <a:off x="5954025" y="1324275"/>
+            <a:ext cx="2439202" cy="2371827"/>
+          </a:xfrm>
+          <a:prstGeom prst="rect">
+            <a:avLst/>
+          </a:prstGeom>
+        </p:spPr>
+      </p:pic>
+      <p:sp>
+        <p:nvSpPr>
+          <p:cNvPr id="67" name="TextBox 66">
+            <a:extLst>
+              <a:ext uri="{FF2B5EF4-FFF2-40B4-BE49-F238E27FC236}">
+                <a16:creationId xmlns:a16="http://schemas.microsoft.com/office/drawing/2014/main" id="{55A6A2A9-C6B5-774E-9719-EECEC2AFEB43}"/>
+              </a:ext>
+            </a:extLst>
+          </p:cNvPr>
+          <p:cNvSpPr txBox="1"/>
+          <p:nvPr/>
+        </p:nvSpPr>
+        <p:spPr>
+          <a:xfrm>
+            <a:off x="6142062" y="1496237"/>
+            <a:ext cx="117020" cy="169277"/>
+          </a:xfrm>
+          <a:prstGeom prst="rect">
+            <a:avLst/>
+          </a:prstGeom>
+          <a:noFill/>
+        </p:spPr>
+        <p:txBody>
+          <a:bodyPr wrap="none" lIns="0" tIns="0" rIns="0" bIns="0" rtlCol="0">
+            <a:spAutoFit/>
+          </a:bodyPr>
+          <a:lstStyle/>
+          <a:p>
+            <a:pPr marL="0" marR="0" lvl="0" indent="0" algn="l" defTabSz="914400" rtl="0" eaLnBrk="1" fontAlgn="auto" latinLnBrk="0" hangingPunct="1">
+              <a:lnSpc>
+                <a:spcPct val="100000"/>
+              </a:lnSpc>
+              <a:spcBef>
+                <a:spcPts val="432"/>
+              </a:spcBef>
+              <a:spcAft>
+                <a:spcPts val="0"/>
+              </a:spcAft>
+              <a:buClrTx/>
+              <a:buSzTx/>
+              <a:buFontTx/>
+              <a:buNone/>
+              <a:tabLst/>
+              <a:defRPr/>
+            </a:pPr>
+            <a:r>
+              <a:rPr kumimoji="0" lang="en-DK" sz="1100" b="0" i="0" u="none" strike="noStrike" kern="1200" cap="none" spc="0" normalizeH="0" baseline="0" noProof="0" dirty="0">
+                <a:ln>
+                  <a:noFill/>
+                </a:ln>
+                <a:solidFill>
+                  <a:srgbClr val="000000"/>
+                </a:solidFill>
+                <a:effectLst/>
+                <a:uLnTx/>
+                <a:uFillTx/>
+                <a:latin typeface="Arial"/>
+                <a:ea typeface="+mn-ea"/>
+                <a:cs typeface="+mn-cs"/>
+              </a:rPr>
+              <a:t>c)</a:t>
+            </a:r>
+          </a:p>
+        </p:txBody>
+      </p:sp>
+      <p:sp>
+        <p:nvSpPr>
+          <p:cNvPr id="16" name="TextBox 15">
+            <a:extLst>
+              <a:ext uri="{FF2B5EF4-FFF2-40B4-BE49-F238E27FC236}">
+                <a16:creationId xmlns:a16="http://schemas.microsoft.com/office/drawing/2014/main" id="{1CD52692-04F1-F42F-5F15-BDC130C417F0}"/>
+              </a:ext>
+            </a:extLst>
+          </p:cNvPr>
+          <p:cNvSpPr txBox="1"/>
+          <p:nvPr/>
+        </p:nvSpPr>
+        <p:spPr>
+          <a:xfrm>
+            <a:off x="6157616" y="3823952"/>
+            <a:ext cx="125034" cy="169277"/>
+          </a:xfrm>
+          <a:prstGeom prst="rect">
+            <a:avLst/>
+          </a:prstGeom>
+          <a:noFill/>
+        </p:spPr>
+        <p:txBody>
+          <a:bodyPr wrap="none" lIns="0" tIns="0" rIns="0" bIns="0" rtlCol="0">
+            <a:spAutoFit/>
+          </a:bodyPr>
+          <a:lstStyle/>
+          <a:p>
+            <a:pPr marL="0" marR="0" lvl="0" indent="0" algn="l" defTabSz="914400" rtl="0" eaLnBrk="1" fontAlgn="auto" latinLnBrk="0" hangingPunct="1">
+              <a:lnSpc>
+                <a:spcPct val="100000"/>
+              </a:lnSpc>
+              <a:spcBef>
+                <a:spcPts val="432"/>
+              </a:spcBef>
+              <a:spcAft>
+                <a:spcPts val="0"/>
+              </a:spcAft>
+              <a:buClrTx/>
+              <a:buSzTx/>
+              <a:buFontTx/>
+              <a:buNone/>
+              <a:tabLst/>
+              <a:defRPr/>
+            </a:pPr>
+            <a:r>
+              <a:rPr kumimoji="0" lang="en-DK" sz="1100" b="0" i="0" u="none" strike="noStrike" kern="1200" cap="none" spc="0" normalizeH="0" baseline="0" noProof="0" dirty="0">
+                <a:ln>
+                  <a:noFill/>
+                </a:ln>
+                <a:solidFill>
+                  <a:srgbClr val="000000"/>
+                </a:solidFill>
+                <a:effectLst/>
+                <a:uLnTx/>
+                <a:uFillTx/>
+                <a:latin typeface="Arial"/>
+                <a:ea typeface="+mn-ea"/>
+                <a:cs typeface="+mn-cs"/>
+              </a:rPr>
+              <a:t>g)</a:t>
+            </a:r>
+          </a:p>
+        </p:txBody>
+      </p:sp>
+      <p:pic>
+        <p:nvPicPr>
+          <p:cNvPr id="23" name="Picture 22">
+            <a:extLst>
+              <a:ext uri="{FF2B5EF4-FFF2-40B4-BE49-F238E27FC236}">
+                <a16:creationId xmlns:a16="http://schemas.microsoft.com/office/drawing/2014/main" id="{BA2DE84C-BC15-CAFB-712B-FCB68FAADFE9}"/>
+              </a:ext>
+            </a:extLst>
+          </p:cNvPr>
+          <p:cNvPicPr>
+            <a:picLocks noChangeAspect="1"/>
+          </p:cNvPicPr>
+          <p:nvPr/>
+        </p:nvPicPr>
+        <p:blipFill>
+          <a:blip r:embed="rId7"/>
+          <a:srcRect l="8687" t="6734" r="6647" b="10350"/>
+          <a:stretch>
+            <a:fillRect/>
+          </a:stretch>
+        </p:blipFill>
+        <p:spPr>
+          <a:xfrm>
+            <a:off x="3715350" y="3850105"/>
+            <a:ext cx="2290001" cy="2242686"/>
+          </a:xfrm>
+          <a:prstGeom prst="rect">
+            <a:avLst/>
+          </a:prstGeom>
+        </p:spPr>
+      </p:pic>
+      <p:sp>
+        <p:nvSpPr>
+          <p:cNvPr id="15" name="TextBox 14">
+            <a:extLst>
+              <a:ext uri="{FF2B5EF4-FFF2-40B4-BE49-F238E27FC236}">
+                <a16:creationId xmlns:a16="http://schemas.microsoft.com/office/drawing/2014/main" id="{F253ADAB-595E-766B-EF17-C72E334DF34F}"/>
+              </a:ext>
+            </a:extLst>
+          </p:cNvPr>
+          <p:cNvSpPr txBox="1"/>
+          <p:nvPr/>
+        </p:nvSpPr>
+        <p:spPr>
+          <a:xfrm>
+            <a:off x="3760926" y="3833577"/>
+            <a:ext cx="84960" cy="169277"/>
+          </a:xfrm>
+          <a:prstGeom prst="rect">
+            <a:avLst/>
+          </a:prstGeom>
+          <a:noFill/>
+        </p:spPr>
+        <p:txBody>
+          <a:bodyPr wrap="none" lIns="0" tIns="0" rIns="0" bIns="0" rtlCol="0">
+            <a:spAutoFit/>
+          </a:bodyPr>
+          <a:lstStyle/>
+          <a:p>
+            <a:pPr marL="0" marR="0" lvl="0" indent="0" algn="l" defTabSz="914400" rtl="0" eaLnBrk="1" fontAlgn="auto" latinLnBrk="0" hangingPunct="1">
+              <a:lnSpc>
+                <a:spcPct val="100000"/>
+              </a:lnSpc>
+              <a:spcBef>
+                <a:spcPts val="432"/>
+              </a:spcBef>
+              <a:spcAft>
+                <a:spcPts val="0"/>
+              </a:spcAft>
+              <a:buClrTx/>
+              <a:buSzTx/>
+              <a:buFontTx/>
+              <a:buNone/>
+              <a:tabLst/>
+              <a:defRPr/>
+            </a:pPr>
+            <a:r>
+              <a:rPr kumimoji="0" lang="en-DK" sz="1100" b="0" i="0" u="none" strike="noStrike" kern="1200" cap="none" spc="0" normalizeH="0" baseline="0" noProof="0" dirty="0">
+                <a:ln>
+                  <a:noFill/>
+                </a:ln>
+                <a:solidFill>
+                  <a:srgbClr val="000000"/>
+                </a:solidFill>
+                <a:effectLst/>
+                <a:uLnTx/>
+                <a:uFillTx/>
+                <a:latin typeface="Arial"/>
+                <a:ea typeface="+mn-ea"/>
+                <a:cs typeface="+mn-cs"/>
+              </a:rPr>
+              <a:t>f)</a:t>
+            </a:r>
+          </a:p>
+        </p:txBody>
+      </p:sp>
+      <p:pic>
+        <p:nvPicPr>
+          <p:cNvPr id="27" name="Picture 26">
+            <a:extLst>
+              <a:ext uri="{FF2B5EF4-FFF2-40B4-BE49-F238E27FC236}">
+                <a16:creationId xmlns:a16="http://schemas.microsoft.com/office/drawing/2014/main" id="{7114B075-6843-67A9-232E-F43AA9B28A69}"/>
+              </a:ext>
+            </a:extLst>
+          </p:cNvPr>
+          <p:cNvPicPr>
+            <a:picLocks noChangeAspect="1"/>
+          </p:cNvPicPr>
+          <p:nvPr/>
+        </p:nvPicPr>
+        <p:blipFill>
+          <a:blip r:embed="rId8"/>
+          <a:srcRect l="4251" t="5577" r="8200" b="12663"/>
+          <a:stretch>
+            <a:fillRect/>
+          </a:stretch>
+        </p:blipFill>
+        <p:spPr>
+          <a:xfrm>
+            <a:off x="8431727" y="1472665"/>
+            <a:ext cx="2329313" cy="2175309"/>
+          </a:xfrm>
+          <a:prstGeom prst="rect">
+            <a:avLst/>
+          </a:prstGeom>
+        </p:spPr>
+      </p:pic>
+      <p:pic>
+        <p:nvPicPr>
+          <p:cNvPr id="25" name="Picture 24">
+            <a:extLst>
+              <a:ext uri="{FF2B5EF4-FFF2-40B4-BE49-F238E27FC236}">
+                <a16:creationId xmlns:a16="http://schemas.microsoft.com/office/drawing/2014/main" id="{87C4FF51-484B-0737-E7FC-9AF86B4994C3}"/>
+              </a:ext>
+            </a:extLst>
+          </p:cNvPr>
+          <p:cNvPicPr>
+            <a:picLocks noChangeAspect="1"/>
+          </p:cNvPicPr>
+          <p:nvPr/>
+        </p:nvPicPr>
+        <p:blipFill>
+          <a:blip r:embed="rId9"/>
+          <a:srcRect l="9677" t="6301" r="6754" b="12300"/>
+          <a:stretch>
+            <a:fillRect/>
+          </a:stretch>
+        </p:blipFill>
+        <p:spPr>
+          <a:xfrm>
+            <a:off x="8566481" y="3859731"/>
+            <a:ext cx="2223436" cy="2165684"/>
           </a:xfrm>
           <a:prstGeom prst="rect">
             <a:avLst/>
@@ -13156,7 +13615,7 @@
         </p:nvCxnSpPr>
         <p:spPr bwMode="auto">
           <a:xfrm>
-            <a:off x="12305761" y="2516868"/>
+            <a:off x="12074754" y="919074"/>
             <a:ext cx="3657600" cy="0"/>
           </a:xfrm>
           <a:prstGeom prst="line">
@@ -13188,337 +13647,6 @@
           </a:extLst>
         </p:spPr>
       </p:cxnSp>
-      <p:sp>
-        <p:nvSpPr>
-          <p:cNvPr id="64" name="TextBox 63">
-            <a:extLst>
-              <a:ext uri="{FF2B5EF4-FFF2-40B4-BE49-F238E27FC236}">
-                <a16:creationId xmlns:a16="http://schemas.microsoft.com/office/drawing/2014/main" id="{992ED030-3538-4E5E-B5BE-60584E3415D6}"/>
-              </a:ext>
-            </a:extLst>
-          </p:cNvPr>
-          <p:cNvSpPr txBox="1"/>
-          <p:nvPr/>
-        </p:nvSpPr>
-        <p:spPr>
-          <a:xfrm>
-            <a:off x="4866785" y="1511164"/>
-            <a:ext cx="125034" cy="169277"/>
-          </a:xfrm>
-          <a:prstGeom prst="rect">
-            <a:avLst/>
-          </a:prstGeom>
-          <a:noFill/>
-        </p:spPr>
-        <p:txBody>
-          <a:bodyPr wrap="none" lIns="0" tIns="0" rIns="0" bIns="0" rtlCol="0">
-            <a:spAutoFit/>
-          </a:bodyPr>
-          <a:lstStyle/>
-          <a:p>
-            <a:pPr marL="0" marR="0" lvl="0" indent="0" algn="l" defTabSz="914400" rtl="0" eaLnBrk="1" fontAlgn="auto" latinLnBrk="0" hangingPunct="1">
-              <a:lnSpc>
-                <a:spcPct val="100000"/>
-              </a:lnSpc>
-              <a:spcBef>
-                <a:spcPts val="432"/>
-              </a:spcBef>
-              <a:spcAft>
-                <a:spcPts val="0"/>
-              </a:spcAft>
-              <a:buClrTx/>
-              <a:buSzTx/>
-              <a:buFontTx/>
-              <a:buNone/>
-              <a:tabLst/>
-              <a:defRPr/>
-            </a:pPr>
-            <a:r>
-              <a:rPr kumimoji="0" lang="en-DK" sz="1100" b="0" i="0" u="none" strike="noStrike" kern="1200" cap="none" spc="0" normalizeH="0" baseline="0" noProof="0" dirty="0">
-                <a:ln>
-                  <a:noFill/>
-                </a:ln>
-                <a:solidFill>
-                  <a:srgbClr val="000000"/>
-                </a:solidFill>
-                <a:effectLst/>
-                <a:uLnTx/>
-                <a:uFillTx/>
-                <a:latin typeface="Arial"/>
-                <a:ea typeface="+mn-ea"/>
-                <a:cs typeface="+mn-cs"/>
-              </a:rPr>
-              <a:t>b)</a:t>
-            </a:r>
-          </a:p>
-        </p:txBody>
-      </p:sp>
-      <p:sp>
-        <p:nvSpPr>
-          <p:cNvPr id="68" name="TextBox 67">
-            <a:extLst>
-              <a:ext uri="{FF2B5EF4-FFF2-40B4-BE49-F238E27FC236}">
-                <a16:creationId xmlns:a16="http://schemas.microsoft.com/office/drawing/2014/main" id="{C6656B4E-D452-4E1C-91FE-245F0C8B23C1}"/>
-              </a:ext>
-            </a:extLst>
-          </p:cNvPr>
-          <p:cNvSpPr txBox="1"/>
-          <p:nvPr/>
-        </p:nvSpPr>
-        <p:spPr>
-          <a:xfrm>
-            <a:off x="2405370" y="3835181"/>
-            <a:ext cx="125034" cy="169277"/>
-          </a:xfrm>
-          <a:prstGeom prst="rect">
-            <a:avLst/>
-          </a:prstGeom>
-          <a:noFill/>
-        </p:spPr>
-        <p:txBody>
-          <a:bodyPr wrap="none" lIns="0" tIns="0" rIns="0" bIns="0" rtlCol="0">
-            <a:spAutoFit/>
-          </a:bodyPr>
-          <a:lstStyle/>
-          <a:p>
-            <a:pPr marL="0" marR="0" lvl="0" indent="0" algn="l" defTabSz="914400" rtl="0" eaLnBrk="1" fontAlgn="auto" latinLnBrk="0" hangingPunct="1">
-              <a:lnSpc>
-                <a:spcPct val="100000"/>
-              </a:lnSpc>
-              <a:spcBef>
-                <a:spcPts val="432"/>
-              </a:spcBef>
-              <a:spcAft>
-                <a:spcPts val="0"/>
-              </a:spcAft>
-              <a:buClrTx/>
-              <a:buSzTx/>
-              <a:buFontTx/>
-              <a:buNone/>
-              <a:tabLst/>
-              <a:defRPr/>
-            </a:pPr>
-            <a:r>
-              <a:rPr kumimoji="0" lang="en-DK" sz="1100" b="0" i="0" u="none" strike="noStrike" kern="1200" cap="none" spc="0" normalizeH="0" baseline="0" noProof="0" dirty="0">
-                <a:ln>
-                  <a:noFill/>
-                </a:ln>
-                <a:solidFill>
-                  <a:srgbClr val="000000"/>
-                </a:solidFill>
-                <a:effectLst/>
-                <a:uLnTx/>
-                <a:uFillTx/>
-                <a:latin typeface="Arial"/>
-                <a:ea typeface="+mn-ea"/>
-                <a:cs typeface="+mn-cs"/>
-              </a:rPr>
-              <a:t>d)</a:t>
-            </a:r>
-          </a:p>
-        </p:txBody>
-      </p:sp>
-      <p:pic>
-        <p:nvPicPr>
-          <p:cNvPr id="14" name="Picture 13">
-            <a:extLst>
-              <a:ext uri="{FF2B5EF4-FFF2-40B4-BE49-F238E27FC236}">
-                <a16:creationId xmlns:a16="http://schemas.microsoft.com/office/drawing/2014/main" id="{EE220B0C-0A14-263B-42DC-473EFE6C1FBC}"/>
-              </a:ext>
-            </a:extLst>
-          </p:cNvPr>
-          <p:cNvPicPr>
-            <a:picLocks noChangeAspect="1"/>
-          </p:cNvPicPr>
-          <p:nvPr/>
-        </p:nvPicPr>
-        <p:blipFill>
-          <a:blip r:embed="rId6"/>
-          <a:srcRect b="11174"/>
-          <a:stretch>
-            <a:fillRect/>
-          </a:stretch>
-        </p:blipFill>
-        <p:spPr>
-          <a:xfrm>
-            <a:off x="7070558" y="1324275"/>
-            <a:ext cx="2670210" cy="2371827"/>
-          </a:xfrm>
-          <a:prstGeom prst="rect">
-            <a:avLst/>
-          </a:prstGeom>
-        </p:spPr>
-      </p:pic>
-      <p:sp>
-        <p:nvSpPr>
-          <p:cNvPr id="67" name="TextBox 66">
-            <a:extLst>
-              <a:ext uri="{FF2B5EF4-FFF2-40B4-BE49-F238E27FC236}">
-                <a16:creationId xmlns:a16="http://schemas.microsoft.com/office/drawing/2014/main" id="{55A6A2A9-C6B5-774E-9719-EECEC2AFEB43}"/>
-              </a:ext>
-            </a:extLst>
-          </p:cNvPr>
-          <p:cNvSpPr txBox="1"/>
-          <p:nvPr/>
-        </p:nvSpPr>
-        <p:spPr>
-          <a:xfrm>
-            <a:off x="7258595" y="1496237"/>
-            <a:ext cx="117020" cy="169277"/>
-          </a:xfrm>
-          <a:prstGeom prst="rect">
-            <a:avLst/>
-          </a:prstGeom>
-          <a:noFill/>
-        </p:spPr>
-        <p:txBody>
-          <a:bodyPr wrap="none" lIns="0" tIns="0" rIns="0" bIns="0" rtlCol="0">
-            <a:spAutoFit/>
-          </a:bodyPr>
-          <a:lstStyle/>
-          <a:p>
-            <a:pPr marL="0" marR="0" lvl="0" indent="0" algn="l" defTabSz="914400" rtl="0" eaLnBrk="1" fontAlgn="auto" latinLnBrk="0" hangingPunct="1">
-              <a:lnSpc>
-                <a:spcPct val="100000"/>
-              </a:lnSpc>
-              <a:spcBef>
-                <a:spcPts val="432"/>
-              </a:spcBef>
-              <a:spcAft>
-                <a:spcPts val="0"/>
-              </a:spcAft>
-              <a:buClrTx/>
-              <a:buSzTx/>
-              <a:buFontTx/>
-              <a:buNone/>
-              <a:tabLst/>
-              <a:defRPr/>
-            </a:pPr>
-            <a:r>
-              <a:rPr kumimoji="0" lang="en-DK" sz="1100" b="0" i="0" u="none" strike="noStrike" kern="1200" cap="none" spc="0" normalizeH="0" baseline="0" noProof="0" dirty="0">
-                <a:ln>
-                  <a:noFill/>
-                </a:ln>
-                <a:solidFill>
-                  <a:srgbClr val="000000"/>
-                </a:solidFill>
-                <a:effectLst/>
-                <a:uLnTx/>
-                <a:uFillTx/>
-                <a:latin typeface="Arial"/>
-                <a:ea typeface="+mn-ea"/>
-                <a:cs typeface="+mn-cs"/>
-              </a:rPr>
-              <a:t>c)</a:t>
-            </a:r>
-          </a:p>
-        </p:txBody>
-      </p:sp>
-      <p:sp>
-        <p:nvSpPr>
-          <p:cNvPr id="16" name="TextBox 15">
-            <a:extLst>
-              <a:ext uri="{FF2B5EF4-FFF2-40B4-BE49-F238E27FC236}">
-                <a16:creationId xmlns:a16="http://schemas.microsoft.com/office/drawing/2014/main" id="{1CD52692-04F1-F42F-5F15-BDC130C417F0}"/>
-              </a:ext>
-            </a:extLst>
-          </p:cNvPr>
-          <p:cNvSpPr txBox="1"/>
-          <p:nvPr/>
-        </p:nvSpPr>
-        <p:spPr>
-          <a:xfrm>
-            <a:off x="7274149" y="3823952"/>
-            <a:ext cx="84960" cy="169277"/>
-          </a:xfrm>
-          <a:prstGeom prst="rect">
-            <a:avLst/>
-          </a:prstGeom>
-          <a:noFill/>
-        </p:spPr>
-        <p:txBody>
-          <a:bodyPr wrap="none" lIns="0" tIns="0" rIns="0" bIns="0" rtlCol="0">
-            <a:spAutoFit/>
-          </a:bodyPr>
-          <a:lstStyle/>
-          <a:p>
-            <a:pPr marL="0" marR="0" lvl="0" indent="0" algn="l" defTabSz="914400" rtl="0" eaLnBrk="1" fontAlgn="auto" latinLnBrk="0" hangingPunct="1">
-              <a:lnSpc>
-                <a:spcPct val="100000"/>
-              </a:lnSpc>
-              <a:spcBef>
-                <a:spcPts val="432"/>
-              </a:spcBef>
-              <a:spcAft>
-                <a:spcPts val="0"/>
-              </a:spcAft>
-              <a:buClrTx/>
-              <a:buSzTx/>
-              <a:buFontTx/>
-              <a:buNone/>
-              <a:tabLst/>
-              <a:defRPr/>
-            </a:pPr>
-            <a:r>
-              <a:rPr lang="en-DK" sz="1100" dirty="0">
-                <a:solidFill>
-                  <a:srgbClr val="000000"/>
-                </a:solidFill>
-                <a:latin typeface="Arial"/>
-              </a:rPr>
-              <a:t>f</a:t>
-            </a:r>
-            <a:r>
-              <a:rPr kumimoji="0" lang="en-DK" sz="1100" b="0" i="0" u="none" strike="noStrike" kern="1200" cap="none" spc="0" normalizeH="0" baseline="0" noProof="0" dirty="0">
-                <a:ln>
-                  <a:noFill/>
-                </a:ln>
-                <a:solidFill>
-                  <a:srgbClr val="000000"/>
-                </a:solidFill>
-                <a:effectLst/>
-                <a:uLnTx/>
-                <a:uFillTx/>
-                <a:latin typeface="Arial"/>
-                <a:ea typeface="+mn-ea"/>
-                <a:cs typeface="+mn-cs"/>
-              </a:rPr>
-              <a:t>)</a:t>
-            </a:r>
-          </a:p>
-        </p:txBody>
-      </p:sp>
-      <p:pic>
-        <p:nvPicPr>
-          <p:cNvPr id="23" name="Picture 22">
-            <a:extLst>
-              <a:ext uri="{FF2B5EF4-FFF2-40B4-BE49-F238E27FC236}">
-                <a16:creationId xmlns:a16="http://schemas.microsoft.com/office/drawing/2014/main" id="{BA2DE84C-BC15-CAFB-712B-FCB68FAADFE9}"/>
-              </a:ext>
-            </a:extLst>
-          </p:cNvPr>
-          <p:cNvPicPr>
-            <a:picLocks noChangeAspect="1"/>
-          </p:cNvPicPr>
-          <p:nvPr/>
-        </p:nvPicPr>
-        <p:blipFill>
-          <a:blip r:embed="rId7"/>
-          <a:srcRect l="8687" t="6734" r="6647" b="10350"/>
-          <a:stretch>
-            <a:fillRect/>
-          </a:stretch>
-        </p:blipFill>
-        <p:spPr>
-          <a:xfrm>
-            <a:off x="4831883" y="3850105"/>
-            <a:ext cx="2290001" cy="2242686"/>
-          </a:xfrm>
-          <a:prstGeom prst="rect">
-            <a:avLst/>
-          </a:prstGeom>
-        </p:spPr>
-      </p:pic>
       <p:cxnSp>
         <p:nvCxnSpPr>
           <p:cNvPr id="70" name="Straight Connector 69">
@@ -13533,7 +13661,7 @@
         </p:nvCxnSpPr>
         <p:spPr bwMode="auto">
           <a:xfrm>
-            <a:off x="1713299" y="964590"/>
+            <a:off x="709061" y="906840"/>
             <a:ext cx="8547234" cy="0"/>
           </a:xfrm>
           <a:prstGeom prst="line">
@@ -13579,7 +13707,7 @@
         </p:nvCxnSpPr>
         <p:spPr bwMode="auto">
           <a:xfrm>
-            <a:off x="1001444" y="1145407"/>
+            <a:off x="13081149" y="1645920"/>
             <a:ext cx="0" cy="4825604"/>
           </a:xfrm>
           <a:prstGeom prst="line">
@@ -13613,10 +13741,10 @@
       </p:cxnSp>
       <p:sp>
         <p:nvSpPr>
-          <p:cNvPr id="15" name="TextBox 14">
-            <a:extLst>
-              <a:ext uri="{FF2B5EF4-FFF2-40B4-BE49-F238E27FC236}">
-                <a16:creationId xmlns:a16="http://schemas.microsoft.com/office/drawing/2014/main" id="{F253ADAB-595E-766B-EF17-C72E334DF34F}"/>
+          <p:cNvPr id="29" name="TextBox 28">
+            <a:extLst>
+              <a:ext uri="{FF2B5EF4-FFF2-40B4-BE49-F238E27FC236}">
+                <a16:creationId xmlns:a16="http://schemas.microsoft.com/office/drawing/2014/main" id="{24EF3856-111B-31FF-26FB-F978723CC65D}"/>
               </a:ext>
             </a:extLst>
           </p:cNvPr>
@@ -13625,7 +13753,7 @@
         </p:nvSpPr>
         <p:spPr>
           <a:xfrm>
-            <a:off x="4877459" y="3833577"/>
+            <a:off x="8496554" y="1504262"/>
             <a:ext cx="125034" cy="169277"/>
           </a:xfrm>
           <a:prstGeom prst="rect">
@@ -13657,13 +13785,78 @@
               <a:defRPr/>
             </a:pPr>
             <a:r>
+              <a:rPr kumimoji="0" lang="en-DK" sz="1100" b="0" i="0" u="none" strike="noStrike" kern="1200" cap="none" spc="0" normalizeH="0" baseline="0" noProof="0" dirty="0">
+                <a:ln>
+                  <a:noFill/>
+                </a:ln>
+                <a:solidFill>
+                  <a:srgbClr val="000000"/>
+                </a:solidFill>
+                <a:effectLst/>
+                <a:uLnTx/>
+                <a:uFillTx/>
+                <a:latin typeface="Arial"/>
+                <a:ea typeface="+mn-ea"/>
+                <a:cs typeface="+mn-cs"/>
+              </a:rPr>
+              <a:t>d)</a:t>
+            </a:r>
+          </a:p>
+        </p:txBody>
+      </p:sp>
+      <p:sp>
+        <p:nvSpPr>
+          <p:cNvPr id="30" name="TextBox 29">
+            <a:extLst>
+              <a:ext uri="{FF2B5EF4-FFF2-40B4-BE49-F238E27FC236}">
+                <a16:creationId xmlns:a16="http://schemas.microsoft.com/office/drawing/2014/main" id="{1EE85D7C-DC56-FCCF-D55B-E7BA0AAAE587}"/>
+              </a:ext>
+            </a:extLst>
+          </p:cNvPr>
+          <p:cNvSpPr txBox="1"/>
+          <p:nvPr/>
+        </p:nvSpPr>
+        <p:spPr>
+          <a:xfrm>
+            <a:off x="8573557" y="3833577"/>
+            <a:ext cx="125034" cy="169277"/>
+          </a:xfrm>
+          <a:prstGeom prst="rect">
+            <a:avLst/>
+          </a:prstGeom>
+          <a:noFill/>
+        </p:spPr>
+        <p:txBody>
+          <a:bodyPr wrap="none" lIns="0" tIns="0" rIns="0" bIns="0" rtlCol="0">
+            <a:spAutoFit/>
+          </a:bodyPr>
+          <a:lstStyle/>
+          <a:p>
+            <a:pPr marL="0" marR="0" lvl="0" indent="0" algn="l" defTabSz="914400" rtl="0" eaLnBrk="1" fontAlgn="auto" latinLnBrk="0" hangingPunct="1">
+              <a:lnSpc>
+                <a:spcPct val="100000"/>
+              </a:lnSpc>
+              <a:spcBef>
+                <a:spcPts val="432"/>
+              </a:spcBef>
+              <a:spcAft>
+                <a:spcPts val="0"/>
+              </a:spcAft>
+              <a:buClrTx/>
+              <a:buSzTx/>
+              <a:buFontTx/>
+              <a:buNone/>
+              <a:tabLst/>
+              <a:defRPr/>
+            </a:pPr>
+            <a:r>
               <a:rPr lang="en-DK" sz="1100" dirty="0">
                 <a:solidFill>
                   <a:srgbClr val="000000"/>
                 </a:solidFill>
                 <a:latin typeface="Arial"/>
               </a:rPr>
-              <a:t>e</a:t>
+              <a:t>h</a:t>
             </a:r>
             <a:r>
               <a:rPr kumimoji="0" lang="en-DK" sz="1100" b="0" i="0" u="none" strike="noStrike" kern="1200" cap="none" spc="0" normalizeH="0" baseline="0" noProof="0" dirty="0">
